--- a/Presentation/group2-oop.pptx
+++ b/Presentation/group2-oop.pptx
@@ -251,7 +251,7 @@
   </p:defaultTextStyle>
   <p:extLst>
     <p:ext uri="{EFAFB233-063F-42B5-8137-9DF3F51BA10A}">
-      <p15:sldGuideLst xmlns:p15="http://schemas.microsoft.com/office/powerpoint/2012/main">
+      <p15:sldGuideLst xmlns="" xmlns:p15="http://schemas.microsoft.com/office/powerpoint/2012/main">
         <p15:guide id="1" orient="horz" pos="2160">
           <p15:clr>
             <a:srgbClr val="A4A3A4"/>
@@ -11465,6 +11465,18 @@
               </a:rPr>
               <a:t>Object Oriented Programming</a:t>
             </a:r>
+            <a:r>
+              <a:rPr lang="en-US" sz="3000" dirty="0">
+                <a:solidFill>
+                  <a:srgbClr val="FF0000"/>
+                </a:solidFill>
+                <a:latin typeface="Arial"/>
+                <a:ea typeface="Arial"/>
+                <a:cs typeface="Arial"/>
+                <a:sym typeface="Arial"/>
+              </a:rPr>
+              <a:t/>
+            </a:r>
             <a:br>
               <a:rPr lang="en-US" sz="3000" dirty="0">
                 <a:solidFill>
@@ -11476,6 +11488,18 @@
                 <a:sym typeface="Arial"/>
               </a:rPr>
             </a:br>
+            <a:r>
+              <a:rPr lang="en-US" sz="3000" dirty="0">
+                <a:solidFill>
+                  <a:srgbClr val="FF0000"/>
+                </a:solidFill>
+                <a:latin typeface="Arial"/>
+                <a:ea typeface="Arial"/>
+                <a:cs typeface="Arial"/>
+                <a:sym typeface="Arial"/>
+              </a:rPr>
+              <a:t/>
+            </a:r>
             <a:br>
               <a:rPr lang="en-US" sz="3000" dirty="0">
                 <a:solidFill>
@@ -11491,9 +11515,17 @@
               <a:rPr lang="en-US" sz="3600" dirty="0"/>
               <a:t>Visualization of operations on tree data structures</a:t>
             </a:r>
+            <a:r>
+              <a:rPr lang="en-US" sz="2400" dirty="0"/>
+              <a:t/>
+            </a:r>
             <a:br>
               <a:rPr lang="en-US" sz="2400" dirty="0"/>
             </a:br>
+            <a:r>
+              <a:rPr lang="en-US" sz="2400" dirty="0"/>
+              <a:t/>
+            </a:r>
             <a:br>
               <a:rPr lang="en-US" sz="2400" dirty="0"/>
             </a:br>
@@ -11512,6 +11544,10 @@
             <a:r>
               <a:rPr lang="en-US" sz="2700" dirty="0" err="1"/>
               <a:t>Trang</a:t>
+            </a:r>
+            <a:r>
+              <a:rPr lang="en-US" sz="2200" dirty="0"/>
+              <a:t/>
             </a:r>
             <a:br>
               <a:rPr lang="en-US" sz="2200" dirty="0"/>
@@ -11621,6 +11657,13 @@
   <p:clrMapOvr>
     <a:masterClrMapping/>
   </p:clrMapOvr>
+  <p:timing>
+    <p:tnLst>
+      <p:par>
+        <p:cTn id="1" dur="indefinite" restart="never" nodeType="tmRoot"/>
+      </p:par>
+    </p:tnLst>
+  </p:timing>
 </p:sld>
 </file>
 
@@ -11813,6 +11856,13 @@
   <p:clrMapOvr>
     <a:masterClrMapping/>
   </p:clrMapOvr>
+  <p:timing>
+    <p:tnLst>
+      <p:par>
+        <p:cTn id="1" dur="indefinite" restart="never" nodeType="tmRoot"/>
+      </p:par>
+    </p:tnLst>
+  </p:timing>
 </p:sld>
 </file>
 
@@ -11901,6 +11951,13 @@
   <p:clrMapOvr>
     <a:masterClrMapping/>
   </p:clrMapOvr>
+  <p:timing>
+    <p:tnLst>
+      <p:par>
+        <p:cTn id="1" dur="indefinite" restart="never" nodeType="tmRoot"/>
+      </p:par>
+    </p:tnLst>
+  </p:timing>
 </p:sld>
 </file>
 
@@ -12018,6 +12075,13 @@
   <p:clrMapOvr>
     <a:masterClrMapping/>
   </p:clrMapOvr>
+  <p:timing>
+    <p:tnLst>
+      <p:par>
+        <p:cTn id="1" dur="indefinite" restart="never" nodeType="tmRoot"/>
+      </p:par>
+    </p:tnLst>
+  </p:timing>
 </p:sld>
 </file>
 
@@ -12119,6 +12183,13 @@
   <p:clrMapOvr>
     <a:masterClrMapping/>
   </p:clrMapOvr>
+  <p:timing>
+    <p:tnLst>
+      <p:par>
+        <p:cTn id="1" dur="indefinite" restart="never" nodeType="tmRoot"/>
+      </p:par>
+    </p:tnLst>
+  </p:timing>
 </p:sld>
 </file>
 
@@ -12742,6 +12813,13 @@
   <p:clrMapOvr>
     <a:masterClrMapping/>
   </p:clrMapOvr>
+  <p:timing>
+    <p:tnLst>
+      <p:par>
+        <p:cTn id="1" dur="indefinite" restart="never" nodeType="tmRoot"/>
+      </p:par>
+    </p:tnLst>
+  </p:timing>
 </p:sld>
 </file>
 
@@ -12797,18 +12875,59 @@
         </p:nvSpPr>
         <p:spPr>
           <a:xfrm>
-            <a:off x="628650" y="1825625"/>
-            <a:ext cx="7886700" cy="4351338"/>
+            <a:off x="628650" y="1295400"/>
+            <a:ext cx="7886700" cy="4881563"/>
           </a:xfrm>
         </p:spPr>
         <p:txBody>
           <a:bodyPr/>
           <a:lstStyle/>
           <a:p>
-            <a:endParaRPr lang="en-US"/>
+            <a:pPr marL="114300" indent="0">
+              <a:buNone/>
+            </a:pPr>
+            <a:r>
+              <a:rPr lang="en-US" dirty="0" smtClean="0"/>
+              <a:t>Video Demo :https</a:t>
+            </a:r>
+            <a:r>
+              <a:rPr lang="en-US" dirty="0"/>
+              <a:t>://drive.google.com/drive/folders/1ZYCJLoF8S-e-QdfZzAFRlLUJq77OCPzz?fbclid=IwAR1bvs-fbeuu8_ndcNHGPrWoZdrvIWeK4TKD2uNKk3VMbjxflv2aLb3_dHs</a:t>
+            </a:r>
+            <a:endParaRPr lang="en-US" dirty="0"/>
           </a:p>
         </p:txBody>
       </p:sp>
+      <p:pic>
+        <p:nvPicPr>
+          <p:cNvPr id="5" name="Picture 4"/>
+          <p:cNvPicPr>
+            <a:picLocks noChangeAspect="1"/>
+          </p:cNvPicPr>
+          <p:nvPr/>
+        </p:nvPicPr>
+        <p:blipFill>
+          <a:blip r:embed="rId2">
+            <a:extLst>
+              <a:ext uri="{28A0092B-C50C-407E-A947-70E740481C1C}">
+                <a14:useLocalDpi xmlns:a14="http://schemas.microsoft.com/office/drawing/2010/main" val="0"/>
+              </a:ext>
+            </a:extLst>
+          </a:blip>
+          <a:stretch>
+            <a:fillRect/>
+          </a:stretch>
+        </p:blipFill>
+        <p:spPr>
+          <a:xfrm>
+            <a:off x="1066800" y="2438400"/>
+            <a:ext cx="7010400" cy="3943350"/>
+          </a:xfrm>
+          <a:prstGeom prst="rect">
+            <a:avLst/>
+          </a:prstGeom>
+        </p:spPr>
+      </p:pic>
     </p:spTree>
     <p:extLst>
       <p:ext uri="{BB962C8B-B14F-4D97-AF65-F5344CB8AC3E}">
@@ -12819,6 +12938,13 @@
   <p:clrMapOvr>
     <a:masterClrMapping/>
   </p:clrMapOvr>
+  <p:timing>
+    <p:tnLst>
+      <p:par>
+        <p:cTn id="1" dur="indefinite" restart="never" nodeType="tmRoot"/>
+      </p:par>
+    </p:tnLst>
+  </p:timing>
 </p:sld>
 </file>
 
@@ -12893,6 +13019,13 @@
   <p:clrMapOvr>
     <a:masterClrMapping/>
   </p:clrMapOvr>
+  <p:timing>
+    <p:tnLst>
+      <p:par>
+        <p:cTn id="1" dur="indefinite" restart="never" nodeType="tmRoot"/>
+      </p:par>
+    </p:tnLst>
+  </p:timing>
 </p:sld>
 </file>
 
